--- a/content/Sample/Sample_09_subgraph_operation/README.pptx
+++ b/content/Sample/Sample_09_subgraph_operation/README.pptx
@@ -3237,7 +3237,6 @@
               <a:rPr lang="it-IT" sz="1200" dirty="0"/>
               <a:t>2</a:t>
             </a:r>
-            <a:endParaRPr lang="it-IT" sz="1200" dirty="0"/>
           </a:p>
         </p:txBody>
       </p:sp>
